--- a/Practicas/Practica 1 - Documentacion/Presentacion Practica 1.pptx
+++ b/Practicas/Practica 1 - Documentacion/Presentacion Practica 1.pptx
@@ -5,17 +5,21 @@
     <p:sldMasterId id="2147483672" r:id="rId1"/>
   </p:sldMasterIdLst>
   <p:notesMasterIdLst>
-    <p:notesMasterId r:id="rId7"/>
+    <p:notesMasterId r:id="rId11"/>
   </p:notesMasterIdLst>
   <p:handoutMasterIdLst>
-    <p:handoutMasterId r:id="rId8"/>
+    <p:handoutMasterId r:id="rId12"/>
   </p:handoutMasterIdLst>
   <p:sldIdLst>
     <p:sldId id="256" r:id="rId2"/>
     <p:sldId id="262" r:id="rId3"/>
     <p:sldId id="263" r:id="rId4"/>
     <p:sldId id="264" r:id="rId5"/>
-    <p:sldId id="260" r:id="rId6"/>
+    <p:sldId id="265" r:id="rId6"/>
+    <p:sldId id="266" r:id="rId7"/>
+    <p:sldId id="267" r:id="rId8"/>
+    <p:sldId id="268" r:id="rId9"/>
+    <p:sldId id="260" r:id="rId10"/>
   </p:sldIdLst>
   <p:sldSz cx="12192000" cy="6858000"/>
   <p:notesSz cx="6858000" cy="9144000"/>
@@ -3698,7 +3702,7 @@
             <a:pPr rtl="0"/>
             <a:fld id="{C6B3AB32-59DF-41F1-9618-EDFBF5049629}" type="slidenum">
               <a:rPr lang="es-ES" smtClean="0"/>
-              <a:t>5</a:t>
+              <a:t>9</a:t>
             </a:fld>
             <a:endParaRPr lang="es-ES"/>
           </a:p>
@@ -8265,7 +8269,45 @@
           <a:bodyPr/>
           <a:lstStyle/>
           <a:p>
-            <a:endParaRPr lang="es-ES"/>
+            <a:r>
+              <a:rPr lang="es-ES" dirty="0"/>
+              <a:t>En la pantalla de título podemos observar dos botones, uno para comenzar el juego y otro para poder realizar ciertas configuraciones del juego, como su volumen o el número de vidas que queremos que tener.</a:t>
+            </a:r>
+          </a:p>
+          <a:p>
+            <a:r>
+              <a:rPr lang="es-ES" dirty="0"/>
+              <a:t>Cabe añadir que para que se produzca el paso de escenas, se deberá configurar las </a:t>
+            </a:r>
+            <a:r>
+              <a:rPr lang="es-ES" dirty="0" err="1"/>
+              <a:t>builds</a:t>
+            </a:r>
+            <a:r>
+              <a:rPr lang="es-ES" dirty="0"/>
+              <a:t> </a:t>
+            </a:r>
+            <a:r>
+              <a:rPr lang="es-ES" dirty="0" err="1"/>
+              <a:t>setting</a:t>
+            </a:r>
+            <a:r>
+              <a:rPr lang="es-ES" dirty="0"/>
+              <a:t> en </a:t>
+            </a:r>
+            <a:r>
+              <a:rPr lang="es-ES" dirty="0" err="1"/>
+              <a:t>unity</a:t>
+            </a:r>
+            <a:r>
+              <a:rPr lang="es-ES" dirty="0"/>
+              <a:t>, añadiendo las </a:t>
+            </a:r>
+            <a:r>
+              <a:rPr lang="es-ES"/>
+              <a:t>respectivas escenas del juego.</a:t>
+            </a:r>
+            <a:endParaRPr lang="es-ES" dirty="0"/>
           </a:p>
         </p:txBody>
       </p:sp>
@@ -8283,6 +8325,439 @@
 </file>
 
 <file path=ppt/slides/slide5.xml><?xml version="1.0" encoding="utf-8"?>
+<p:sld xmlns:a="http://schemas.openxmlformats.org/drawingml/2006/main" xmlns:r="http://schemas.openxmlformats.org/officeDocument/2006/relationships" xmlns:p="http://schemas.openxmlformats.org/presentationml/2006/main">
+  <p:cSld>
+    <p:spTree>
+      <p:nvGrpSpPr>
+        <p:cNvPr id="1" name=""/>
+        <p:cNvGrpSpPr/>
+        <p:nvPr/>
+      </p:nvGrpSpPr>
+      <p:grpSpPr>
+        <a:xfrm>
+          <a:off x="0" y="0"/>
+          <a:ext cx="0" cy="0"/>
+          <a:chOff x="0" y="0"/>
+          <a:chExt cx="0" cy="0"/>
+        </a:xfrm>
+      </p:grpSpPr>
+      <p:sp>
+        <p:nvSpPr>
+          <p:cNvPr id="2" name="Título 1">
+            <a:extLst>
+              <a:ext uri="{FF2B5EF4-FFF2-40B4-BE49-F238E27FC236}">
+                <a16:creationId xmlns:a16="http://schemas.microsoft.com/office/drawing/2014/main" id="{A1794FA2-EB62-E5B4-FC28-75A95591B92B}"/>
+              </a:ext>
+            </a:extLst>
+          </p:cNvPr>
+          <p:cNvSpPr>
+            <a:spLocks noGrp="1"/>
+          </p:cNvSpPr>
+          <p:nvPr>
+            <p:ph type="title"/>
+          </p:nvPr>
+        </p:nvSpPr>
+        <p:spPr/>
+        <p:txBody>
+          <a:bodyPr/>
+          <a:lstStyle/>
+          <a:p>
+            <a:r>
+              <a:rPr lang="es-ES" dirty="0"/>
+              <a:t>Nivel 1</a:t>
+            </a:r>
+          </a:p>
+        </p:txBody>
+      </p:sp>
+      <p:sp>
+        <p:nvSpPr>
+          <p:cNvPr id="3" name="Marcador de contenido 2">
+            <a:extLst>
+              <a:ext uri="{FF2B5EF4-FFF2-40B4-BE49-F238E27FC236}">
+                <a16:creationId xmlns:a16="http://schemas.microsoft.com/office/drawing/2014/main" id="{D1DB0A1C-112C-38FB-624E-126AE5590DD2}"/>
+              </a:ext>
+            </a:extLst>
+          </p:cNvPr>
+          <p:cNvSpPr>
+            <a:spLocks noGrp="1"/>
+          </p:cNvSpPr>
+          <p:nvPr>
+            <p:ph idx="1"/>
+          </p:nvPr>
+        </p:nvSpPr>
+        <p:spPr/>
+        <p:txBody>
+          <a:bodyPr/>
+          <a:lstStyle/>
+          <a:p>
+            <a:pPr algn="just"/>
+            <a:r>
+              <a:rPr lang="es-ES" dirty="0"/>
+              <a:t>Este nivel sirve como fase introductoria al juego, está compuesto por dos habitaciones y cada una de ellas podemos ver varias trampas y enemigos, así como a nuestro personaje principal del juego, </a:t>
+            </a:r>
+            <a:r>
+              <a:rPr lang="es-ES" dirty="0" err="1"/>
+              <a:t>Legion</a:t>
+            </a:r>
+            <a:r>
+              <a:rPr lang="es-ES" dirty="0"/>
+              <a:t>, un robot.</a:t>
+            </a:r>
+          </a:p>
+          <a:p>
+            <a:pPr algn="just"/>
+            <a:r>
+              <a:rPr lang="es-ES" dirty="0"/>
+              <a:t>Dentro de los enemigos, se han diseñado 2 tipos: uno el llamado Espectro, y otro </a:t>
+            </a:r>
+            <a:r>
+              <a:rPr lang="es-ES" dirty="0" err="1"/>
+              <a:t>Bringer</a:t>
+            </a:r>
+            <a:r>
+              <a:rPr lang="es-ES" dirty="0"/>
+              <a:t> </a:t>
+            </a:r>
+            <a:r>
+              <a:rPr lang="es-ES" dirty="0" err="1"/>
+              <a:t>of</a:t>
+            </a:r>
+            <a:r>
+              <a:rPr lang="es-ES" dirty="0"/>
+              <a:t> </a:t>
+            </a:r>
+            <a:r>
+              <a:rPr lang="es-ES" dirty="0" err="1"/>
+              <a:t>death</a:t>
+            </a:r>
+            <a:r>
+              <a:rPr lang="es-ES" dirty="0"/>
+              <a:t>. El primero de ellos implementa un algoritmo de seguimiento de caminos para perseguir e intentar matar al jugador. El segundo, simplemente realiza una patrulla por su zona designada, para en el momento en que el jugador entre en su cono de visión, intentar atacarle.</a:t>
+            </a:r>
+          </a:p>
+          <a:p>
+            <a:pPr algn="just"/>
+            <a:r>
+              <a:rPr lang="es-ES" dirty="0"/>
+              <a:t>En cuanto a las trampas, se han diseñado dos torretas, una láser y otra eléctrica, con sus respectivas animaciones de ataque y proceso de activación cuando detectan al jugador, una sierra movediza, una puerta láser que cuando el jugador entra en contacto con ella, se activa y daña al jugador y por último unos pinchos láser.</a:t>
+            </a:r>
+          </a:p>
+        </p:txBody>
+      </p:sp>
+    </p:spTree>
+    <p:extLst>
+      <p:ext uri="{BB962C8B-B14F-4D97-AF65-F5344CB8AC3E}">
+        <p14:creationId xmlns:p14="http://schemas.microsoft.com/office/powerpoint/2010/main" val="72845379"/>
+      </p:ext>
+    </p:extLst>
+  </p:cSld>
+  <p:clrMapOvr>
+    <a:masterClrMapping/>
+  </p:clrMapOvr>
+</p:sld>
+</file>
+
+<file path=ppt/slides/slide6.xml><?xml version="1.0" encoding="utf-8"?>
+<p:sld xmlns:a="http://schemas.openxmlformats.org/drawingml/2006/main" xmlns:r="http://schemas.openxmlformats.org/officeDocument/2006/relationships" xmlns:p="http://schemas.openxmlformats.org/presentationml/2006/main">
+  <p:cSld>
+    <p:spTree>
+      <p:nvGrpSpPr>
+        <p:cNvPr id="1" name=""/>
+        <p:cNvGrpSpPr/>
+        <p:nvPr/>
+      </p:nvGrpSpPr>
+      <p:grpSpPr>
+        <a:xfrm>
+          <a:off x="0" y="0"/>
+          <a:ext cx="0" cy="0"/>
+          <a:chOff x="0" y="0"/>
+          <a:chExt cx="0" cy="0"/>
+        </a:xfrm>
+      </p:grpSpPr>
+      <p:sp>
+        <p:nvSpPr>
+          <p:cNvPr id="2" name="Título 1">
+            <a:extLst>
+              <a:ext uri="{FF2B5EF4-FFF2-40B4-BE49-F238E27FC236}">
+                <a16:creationId xmlns:a16="http://schemas.microsoft.com/office/drawing/2014/main" id="{D307CF6E-5F21-6BF6-8899-35043FF81585}"/>
+              </a:ext>
+            </a:extLst>
+          </p:cNvPr>
+          <p:cNvSpPr>
+            <a:spLocks noGrp="1"/>
+          </p:cNvSpPr>
+          <p:nvPr>
+            <p:ph type="title"/>
+          </p:nvPr>
+        </p:nvSpPr>
+        <p:spPr/>
+        <p:txBody>
+          <a:bodyPr/>
+          <a:lstStyle/>
+          <a:p>
+            <a:r>
+              <a:rPr lang="es-ES" dirty="0"/>
+              <a:t>Nivel I</a:t>
+            </a:r>
+          </a:p>
+        </p:txBody>
+      </p:sp>
+      <p:sp>
+        <p:nvSpPr>
+          <p:cNvPr id="3" name="Marcador de contenido 2">
+            <a:extLst>
+              <a:ext uri="{FF2B5EF4-FFF2-40B4-BE49-F238E27FC236}">
+                <a16:creationId xmlns:a16="http://schemas.microsoft.com/office/drawing/2014/main" id="{F5144950-FE06-D23A-DE61-1BDC4F15BDA6}"/>
+              </a:ext>
+            </a:extLst>
+          </p:cNvPr>
+          <p:cNvSpPr>
+            <a:spLocks noGrp="1"/>
+          </p:cNvSpPr>
+          <p:nvPr>
+            <p:ph idx="1"/>
+          </p:nvPr>
+        </p:nvSpPr>
+        <p:spPr/>
+        <p:txBody>
+          <a:bodyPr/>
+          <a:lstStyle/>
+          <a:p>
+            <a:pPr algn="just"/>
+            <a:r>
+              <a:rPr lang="es-ES" dirty="0"/>
+              <a:t>En cuanto al diseño, del personaje principal cabe destacar el uso de </a:t>
+            </a:r>
+            <a:r>
+              <a:rPr lang="es-ES" dirty="0" err="1"/>
+              <a:t>object</a:t>
+            </a:r>
+            <a:r>
+              <a:rPr lang="es-ES" dirty="0"/>
+              <a:t> </a:t>
+            </a:r>
+            <a:r>
+              <a:rPr lang="es-ES" dirty="0" err="1"/>
+              <a:t>pooling</a:t>
+            </a:r>
+            <a:r>
+              <a:rPr lang="es-ES" dirty="0"/>
+              <a:t> para la creación de los proyectiles disparados por el mismo, el uso de </a:t>
+            </a:r>
+            <a:r>
+              <a:rPr lang="es-ES" dirty="0" err="1"/>
+              <a:t>iFrames</a:t>
+            </a:r>
+            <a:r>
+              <a:rPr lang="es-ES" dirty="0"/>
+              <a:t> y rutinas para generar periodos de invulnerabilidad una vez el personaje ha sido dañado, así como cambiar el color de su Sprite.</a:t>
+            </a:r>
+          </a:p>
+          <a:p>
+            <a:pPr algn="just"/>
+            <a:r>
+              <a:rPr lang="es-ES" dirty="0"/>
+              <a:t>Para poder pasar a la siguiente pantalla deberemos pulsar la tecla F.</a:t>
+            </a:r>
+          </a:p>
+          <a:p>
+            <a:pPr algn="just"/>
+            <a:endParaRPr lang="es-ES" dirty="0"/>
+          </a:p>
+        </p:txBody>
+      </p:sp>
+    </p:spTree>
+    <p:extLst>
+      <p:ext uri="{BB962C8B-B14F-4D97-AF65-F5344CB8AC3E}">
+        <p14:creationId xmlns:p14="http://schemas.microsoft.com/office/powerpoint/2010/main" val="3099170418"/>
+      </p:ext>
+    </p:extLst>
+  </p:cSld>
+  <p:clrMapOvr>
+    <a:masterClrMapping/>
+  </p:clrMapOvr>
+</p:sld>
+</file>
+
+<file path=ppt/slides/slide7.xml><?xml version="1.0" encoding="utf-8"?>
+<p:sld xmlns:a="http://schemas.openxmlformats.org/drawingml/2006/main" xmlns:r="http://schemas.openxmlformats.org/officeDocument/2006/relationships" xmlns:p="http://schemas.openxmlformats.org/presentationml/2006/main">
+  <p:cSld>
+    <p:spTree>
+      <p:nvGrpSpPr>
+        <p:cNvPr id="1" name=""/>
+        <p:cNvGrpSpPr/>
+        <p:nvPr/>
+      </p:nvGrpSpPr>
+      <p:grpSpPr>
+        <a:xfrm>
+          <a:off x="0" y="0"/>
+          <a:ext cx="0" cy="0"/>
+          <a:chOff x="0" y="0"/>
+          <a:chExt cx="0" cy="0"/>
+        </a:xfrm>
+      </p:grpSpPr>
+      <p:sp>
+        <p:nvSpPr>
+          <p:cNvPr id="2" name="Título 1">
+            <a:extLst>
+              <a:ext uri="{FF2B5EF4-FFF2-40B4-BE49-F238E27FC236}">
+                <a16:creationId xmlns:a16="http://schemas.microsoft.com/office/drawing/2014/main" id="{A22DC1F9-91D7-50CF-5DCD-6090FB45C14C}"/>
+              </a:ext>
+            </a:extLst>
+          </p:cNvPr>
+          <p:cNvSpPr>
+            <a:spLocks noGrp="1"/>
+          </p:cNvSpPr>
+          <p:nvPr>
+            <p:ph type="title"/>
+          </p:nvPr>
+        </p:nvSpPr>
+        <p:spPr/>
+        <p:txBody>
+          <a:bodyPr/>
+          <a:lstStyle/>
+          <a:p>
+            <a:r>
+              <a:rPr lang="es-ES" dirty="0"/>
+              <a:t>Nivel II</a:t>
+            </a:r>
+          </a:p>
+        </p:txBody>
+      </p:sp>
+      <p:sp>
+        <p:nvSpPr>
+          <p:cNvPr id="3" name="Marcador de contenido 2">
+            <a:extLst>
+              <a:ext uri="{FF2B5EF4-FFF2-40B4-BE49-F238E27FC236}">
+                <a16:creationId xmlns:a16="http://schemas.microsoft.com/office/drawing/2014/main" id="{75DE9CB3-1AF9-43A7-B081-EBD1FA26424F}"/>
+              </a:ext>
+            </a:extLst>
+          </p:cNvPr>
+          <p:cNvSpPr>
+            <a:spLocks noGrp="1"/>
+          </p:cNvSpPr>
+          <p:nvPr>
+            <p:ph idx="1"/>
+          </p:nvPr>
+        </p:nvSpPr>
+        <p:spPr/>
+        <p:txBody>
+          <a:bodyPr/>
+          <a:lstStyle/>
+          <a:p>
+            <a:r>
+              <a:rPr lang="es-ES" dirty="0"/>
+              <a:t>El segundo y último nivel da al exterior de la ciudad, nos enfrentaremos a una torreta que en cuanto nos detecta comenzará a dispararnos a gran velocidad. Una vez superado este obstáculo, nos enfrentamos al jefe final del juego, el cuál deberemos derrotar para ganar el mismo. </a:t>
+            </a:r>
+          </a:p>
+          <a:p>
+            <a:r>
+              <a:rPr lang="es-ES" dirty="0"/>
+              <a:t>Para poder pasar a la siguiente pantalla se deberá pulsar la tecla G.</a:t>
+            </a:r>
+          </a:p>
+        </p:txBody>
+      </p:sp>
+    </p:spTree>
+    <p:extLst>
+      <p:ext uri="{BB962C8B-B14F-4D97-AF65-F5344CB8AC3E}">
+        <p14:creationId xmlns:p14="http://schemas.microsoft.com/office/powerpoint/2010/main" val="2055372043"/>
+      </p:ext>
+    </p:extLst>
+  </p:cSld>
+  <p:clrMapOvr>
+    <a:masterClrMapping/>
+  </p:clrMapOvr>
+</p:sld>
+</file>
+
+<file path=ppt/slides/slide8.xml><?xml version="1.0" encoding="utf-8"?>
+<p:sld xmlns:a="http://schemas.openxmlformats.org/drawingml/2006/main" xmlns:r="http://schemas.openxmlformats.org/officeDocument/2006/relationships" xmlns:p="http://schemas.openxmlformats.org/presentationml/2006/main">
+  <p:cSld>
+    <p:spTree>
+      <p:nvGrpSpPr>
+        <p:cNvPr id="1" name=""/>
+        <p:cNvGrpSpPr/>
+        <p:nvPr/>
+      </p:nvGrpSpPr>
+      <p:grpSpPr>
+        <a:xfrm>
+          <a:off x="0" y="0"/>
+          <a:ext cx="0" cy="0"/>
+          <a:chOff x="0" y="0"/>
+          <a:chExt cx="0" cy="0"/>
+        </a:xfrm>
+      </p:grpSpPr>
+      <p:sp>
+        <p:nvSpPr>
+          <p:cNvPr id="2" name="Título 1">
+            <a:extLst>
+              <a:ext uri="{FF2B5EF4-FFF2-40B4-BE49-F238E27FC236}">
+                <a16:creationId xmlns:a16="http://schemas.microsoft.com/office/drawing/2014/main" id="{47DD2AB1-667C-7A3B-944A-B18FC1ABF5BC}"/>
+              </a:ext>
+            </a:extLst>
+          </p:cNvPr>
+          <p:cNvSpPr>
+            <a:spLocks noGrp="1"/>
+          </p:cNvSpPr>
+          <p:nvPr>
+            <p:ph type="title"/>
+          </p:nvPr>
+        </p:nvSpPr>
+        <p:spPr/>
+        <p:txBody>
+          <a:bodyPr/>
+          <a:lstStyle/>
+          <a:p>
+            <a:r>
+              <a:rPr lang="es-ES" dirty="0"/>
+              <a:t>Pantalla de finalización</a:t>
+            </a:r>
+          </a:p>
+        </p:txBody>
+      </p:sp>
+      <p:sp>
+        <p:nvSpPr>
+          <p:cNvPr id="3" name="Marcador de contenido 2">
+            <a:extLst>
+              <a:ext uri="{FF2B5EF4-FFF2-40B4-BE49-F238E27FC236}">
+                <a16:creationId xmlns:a16="http://schemas.microsoft.com/office/drawing/2014/main" id="{489D9AC8-D4C4-FE33-C1A3-9540B0223799}"/>
+              </a:ext>
+            </a:extLst>
+          </p:cNvPr>
+          <p:cNvSpPr>
+            <a:spLocks noGrp="1"/>
+          </p:cNvSpPr>
+          <p:nvPr>
+            <p:ph idx="1"/>
+          </p:nvPr>
+        </p:nvSpPr>
+        <p:spPr/>
+        <p:txBody>
+          <a:bodyPr/>
+          <a:lstStyle/>
+          <a:p>
+            <a:r>
+              <a:rPr lang="es-ES" dirty="0"/>
+              <a:t>En esta última pantalla, aparecerán las 10 primeras puntuaciones logradas por otros jugadores. Si finalizamos el juego en ultima menor que alguna de ellos entraremos dentro de esta tabla y podremos introducir nuestro nombre.</a:t>
+            </a:r>
+          </a:p>
+        </p:txBody>
+      </p:sp>
+    </p:spTree>
+    <p:extLst>
+      <p:ext uri="{BB962C8B-B14F-4D97-AF65-F5344CB8AC3E}">
+        <p14:creationId xmlns:p14="http://schemas.microsoft.com/office/powerpoint/2010/main" val="4021958350"/>
+      </p:ext>
+    </p:extLst>
+  </p:cSld>
+  <p:clrMapOvr>
+    <a:masterClrMapping/>
+  </p:clrMapOvr>
+</p:sld>
+</file>
+
+<file path=ppt/slides/slide9.xml><?xml version="1.0" encoding="utf-8"?>
 <p:sld xmlns:a="http://schemas.openxmlformats.org/drawingml/2006/main" xmlns:r="http://schemas.openxmlformats.org/officeDocument/2006/relationships" xmlns:p="http://schemas.openxmlformats.org/presentationml/2006/main">
   <p:cSld>
     <p:bg>
